--- a/report/report.pptx
+++ b/report/report.pptx
@@ -11,6 +11,32 @@
     <p:sldId id="259" r:id="rId5"/>
     <p:sldId id="260" r:id="rId6"/>
     <p:sldId id="261" r:id="rId7"/>
+    <p:sldId id="262" r:id="rId8"/>
+    <p:sldId id="263" r:id="rId9"/>
+    <p:sldId id="264" r:id="rId10"/>
+    <p:sldId id="265" r:id="rId11"/>
+    <p:sldId id="266" r:id="rId12"/>
+    <p:sldId id="267" r:id="rId13"/>
+    <p:sldId id="268" r:id="rId14"/>
+    <p:sldId id="269" r:id="rId15"/>
+    <p:sldId id="270" r:id="rId16"/>
+    <p:sldId id="271" r:id="rId17"/>
+    <p:sldId id="272" r:id="rId18"/>
+    <p:sldId id="273" r:id="rId19"/>
+    <p:sldId id="274" r:id="rId20"/>
+    <p:sldId id="275" r:id="rId21"/>
+    <p:sldId id="276" r:id="rId22"/>
+    <p:sldId id="277" r:id="rId23"/>
+    <p:sldId id="278" r:id="rId24"/>
+    <p:sldId id="279" r:id="rId25"/>
+    <p:sldId id="280" r:id="rId26"/>
+    <p:sldId id="281" r:id="rId27"/>
+    <p:sldId id="282" r:id="rId28"/>
+    <p:sldId id="283" r:id="rId29"/>
+    <p:sldId id="284" r:id="rId30"/>
+    <p:sldId id="285" r:id="rId31"/>
+    <p:sldId id="286" r:id="rId32"/>
+    <p:sldId id="287" r:id="rId33"/>
   </p:sldIdLst>
   <p:sldSz cx="9144000" cy="6858000" type="screen4x3"/>
   <p:notesSz cx="6858000" cy="9144000"/>
@@ -3141,15 +3167,7 @@
             </a:pPr>
             <a:r>
               <a:rPr/>
-              <a:t>Шаблон</a:t>
-            </a:r>
-            <a:r>
-              <a:rPr/>
-              <a:t> </a:t>
-            </a:r>
-            <a:r>
-              <a:rPr/>
-              <a:t>отчёта</a:t>
+              <a:t>Отчёт</a:t>
             </a:r>
             <a:r>
               <a:rPr/>
@@ -3174,6 +3192,14 @@
             <a:r>
               <a:rPr/>
               <a:t>работе</a:t>
+            </a:r>
+            <a:r>
+              <a:rPr/>
+              <a:t> </a:t>
+            </a:r>
+            <a:r>
+              <a:rPr/>
+              <a:t>1</a:t>
             </a:r>
           </a:p>
         </p:txBody>
@@ -3203,37 +3229,906 @@
             </a:pPr>
             <a:r>
               <a:rPr/>
-              <a:t>Простейший</a:t>
-            </a:r>
-            <a:r>
-              <a:rPr/>
-              <a:t> </a:t>
-            </a:r>
-            <a:r>
-              <a:rPr/>
-              <a:t>вариант</a:t>
+              <a:t>Использование</a:t>
+            </a:r>
+            <a:r>
+              <a:rPr/>
+              <a:t> </a:t>
+            </a:r>
+            <a:r>
+              <a:rPr/>
+              <a:t>git.</a:t>
+            </a:r>
+            <a:r>
+              <a:rPr/>
+              <a:t> </a:t>
+            </a:r>
+            <a:r>
+              <a:rPr/>
+              <a:t>Использование</a:t>
+            </a:r>
+            <a:r>
+              <a:rPr/>
+              <a:t> </a:t>
+            </a:r>
+            <a:r>
+              <a:rPr/>
+              <a:t>Markdown</a:t>
+            </a:r>
+            <a:r>
+              <a:rPr/>
+              <a:t> </a:t>
+            </a:r>
+            <a:r>
+              <a:rPr/>
+              <a:t>для</a:t>
+            </a:r>
+            <a:r>
+              <a:rPr/>
+              <a:t> </a:t>
+            </a:r>
+            <a:r>
+              <a:rPr/>
+              <a:t>оформления</a:t>
+            </a:r>
+            <a:r>
+              <a:rPr/>
+              <a:t> </a:t>
+            </a:r>
+            <a:r>
+              <a:rPr/>
+              <a:t>отчётов</a:t>
             </a:r>
             <a:br/>
             <a:br/>
             <a:r>
               <a:rPr/>
-              <a:t>Дмитрий</a:t>
-            </a:r>
-            <a:r>
-              <a:rPr/>
-              <a:t> </a:t>
-            </a:r>
-            <a:r>
-              <a:rPr/>
-              <a:t>Сергеевич</a:t>
-            </a:r>
-            <a:r>
-              <a:rPr/>
-              <a:t> </a:t>
-            </a:r>
-            <a:r>
-              <a:rPr/>
-              <a:t>Кулябов</a:t>
+              <a:t>Калинина</a:t>
+            </a:r>
+            <a:r>
+              <a:rPr/>
+              <a:t> </a:t>
+            </a:r>
+            <a:r>
+              <a:rPr/>
+              <a:t>Кристина</a:t>
+            </a:r>
+            <a:r>
+              <a:rPr/>
+              <a:t> </a:t>
+            </a:r>
+            <a:r>
+              <a:rPr/>
+              <a:t>Сергеевна</a:t>
+            </a:r>
+          </a:p>
+        </p:txBody>
+      </p:sp>
+    </p:spTree>
+  </p:cSld>
+</p:sld>
+</file>
+
+<file path=ppt/slides/slide10.xml><?xml version="1.0" encoding="utf-8"?>
+<p:sld xmlns:a="http://schemas.openxmlformats.org/drawingml/2006/main" xmlns:r="http://schemas.openxmlformats.org/officeDocument/2006/relationships" xmlns:p="http://schemas.openxmlformats.org/presentationml/2006/main">
+  <p:cSld>
+    <p:spTree>
+      <p:nvGrpSpPr>
+        <p:cNvPr id="1" name=""/>
+        <p:cNvGrpSpPr/>
+        <p:nvPr/>
+      </p:nvGrpSpPr>
+      <p:grpSpPr>
+        <a:xfrm>
+          <a:off x="0" y="0"/>
+          <a:ext cx="0" cy="0"/>
+          <a:chOff x="0" y="0"/>
+          <a:chExt cx="0" cy="0"/>
+        </a:xfrm>
+      </p:grpSpPr>
+      <p:sp>
+        <p:nvSpPr>
+          <p:cNvPr id="3" name="Content Placeholder 2"/>
+          <p:cNvSpPr>
+            <a:spLocks noGrp="1"/>
+          </p:cNvSpPr>
+          <p:nvPr>
+            <p:ph idx="1"/>
+          </p:nvPr>
+        </p:nvSpPr>
+        <p:spPr/>
+        <p:txBody>
+          <a:bodyPr/>
+          <a:lstStyle/>
+          <a:p>
+            <a:pPr lvl="1">
+              <a:buAutoNum startAt="5" type="arabicPeriod"/>
+            </a:pPr>
+            <a:r>
+              <a:rPr/>
+              <a:t>Просмотрела статус и увидела, что файл был изменен, но эти изменения ещё не зафиксированы в репозитории. Проиндексировала изменения. Проверила статус: файл был проиндексирован, но изменения пока не записаны в репозиторий (fig. 4).</a:t>
+            </a:r>
+          </a:p>
+        </p:txBody>
+      </p:sp>
+    </p:spTree>
+  </p:cSld>
+</p:sld>
+</file>
+
+<file path=ppt/slides/slide11.xml><?xml version="1.0" encoding="utf-8"?>
+<p:sld xmlns:a="http://schemas.openxmlformats.org/drawingml/2006/main" xmlns:r="http://schemas.openxmlformats.org/officeDocument/2006/relationships" xmlns:p="http://schemas.openxmlformats.org/presentationml/2006/main">
+  <p:cSld>
+    <p:spTree>
+      <p:nvGrpSpPr>
+        <p:cNvPr id="1" name=""/>
+        <p:cNvGrpSpPr/>
+        <p:nvPr/>
+      </p:nvGrpSpPr>
+      <p:grpSpPr>
+        <a:xfrm>
+          <a:off x="0" y="0"/>
+          <a:ext cx="0" cy="0"/>
+          <a:chOff x="0" y="0"/>
+          <a:chExt cx="0" cy="0"/>
+        </a:xfrm>
+      </p:grpSpPr>
+      <p:pic>
+        <p:nvPicPr>
+          <p:cNvPr descr="image/210213_5.jpg" id="0" name="Picture 1"/>
+          <p:cNvPicPr>
+            <a:picLocks noGrp="1" noChangeAspect="1"/>
+          </p:cNvPicPr>
+          <p:nvPr/>
+        </p:nvPicPr>
+        <p:blipFill>
+          <a:blip r:embed="rId2"/>
+          <a:stretch>
+            <a:fillRect/>
+          </a:stretch>
+        </p:blipFill>
+        <p:spPr bwMode="auto">
+          <a:xfrm>
+            <a:off x="1790700" y="1600200"/>
+            <a:ext cx="5562600" cy="4013200"/>
+          </a:xfrm>
+          <a:prstGeom prst="rect">
+            <a:avLst/>
+          </a:prstGeom>
+          <a:noFill/>
+          <a:ln w="9525">
+            <a:noFill/>
+            <a:headEnd/>
+            <a:tailEnd/>
+          </a:ln>
+        </p:spPr>
+      </p:pic>
+      <p:sp>
+        <p:nvSpPr>
+          <p:cNvPr id="1" name="TextBox 3"/>
+          <p:cNvSpPr txBox="1"/>
+          <p:nvPr/>
+        </p:nvSpPr>
+        <p:spPr>
+          <a:xfrm>
+            <a:off x="457200" y="5613400"/>
+            <a:ext cx="8229600" cy="508000"/>
+          </a:xfrm>
+          <a:prstGeom prst="rect">
+            <a:avLst/>
+          </a:prstGeom>
+          <a:noFill/>
+        </p:spPr>
+        <p:txBody>
+          <a:bodyPr/>
+          <a:lstStyle/>
+          <a:p>
+            <a:pPr lvl="0" marL="0" indent="0" algn="ctr">
+              <a:buNone/>
+            </a:pPr>
+            <a:r>
+              <a:rPr/>
+              <a:t>Figure</a:t>
+            </a:r>
+            <a:r>
+              <a:rPr/>
+              <a:t> </a:t>
+            </a:r>
+            <a:r>
+              <a:rPr/>
+              <a:t>4:</a:t>
+            </a:r>
+            <a:r>
+              <a:rPr/>
+              <a:t> </a:t>
+            </a:r>
+            <a:r>
+              <a:rPr/>
+              <a:t>Просмотр</a:t>
+            </a:r>
+            <a:r>
+              <a:rPr/>
+              <a:t> </a:t>
+            </a:r>
+            <a:r>
+              <a:rPr/>
+              <a:t>состояния.</a:t>
+            </a:r>
+            <a:r>
+              <a:rPr/>
+              <a:t> </a:t>
+            </a:r>
+            <a:r>
+              <a:rPr/>
+              <a:t>Проиндексированные</a:t>
+            </a:r>
+            <a:r>
+              <a:rPr/>
+              <a:t> </a:t>
+            </a:r>
+            <a:r>
+              <a:rPr/>
+              <a:t>изменения</a:t>
+            </a:r>
+            <a:r>
+              <a:rPr/>
+              <a:t> </a:t>
+            </a:r>
+            <a:r>
+              <a:rPr/>
+              <a:t>файла</a:t>
+            </a:r>
+            <a:r>
+              <a:rPr/>
+              <a:t> </a:t>
+            </a:r>
+            <a:r>
+              <a:rPr/>
+              <a:t>hello.html</a:t>
+            </a:r>
+          </a:p>
+        </p:txBody>
+      </p:sp>
+    </p:spTree>
+  </p:cSld>
+</p:sld>
+</file>
+
+<file path=ppt/slides/slide12.xml><?xml version="1.0" encoding="utf-8"?>
+<p:sld xmlns:a="http://schemas.openxmlformats.org/drawingml/2006/main" xmlns:r="http://schemas.openxmlformats.org/officeDocument/2006/relationships" xmlns:p="http://schemas.openxmlformats.org/presentationml/2006/main">
+  <p:cSld>
+    <p:spTree>
+      <p:nvGrpSpPr>
+        <p:cNvPr id="1" name=""/>
+        <p:cNvGrpSpPr/>
+        <p:nvPr/>
+      </p:nvGrpSpPr>
+      <p:grpSpPr>
+        <a:xfrm>
+          <a:off x="0" y="0"/>
+          <a:ext cx="0" cy="0"/>
+          <a:chOff x="0" y="0"/>
+          <a:chExt cx="0" cy="0"/>
+        </a:xfrm>
+      </p:grpSpPr>
+      <p:sp>
+        <p:nvSpPr>
+          <p:cNvPr id="3" name="Content Placeholder 2"/>
+          <p:cNvSpPr>
+            <a:spLocks noGrp="1"/>
+          </p:cNvSpPr>
+          <p:nvPr>
+            <p:ph idx="1"/>
+          </p:nvPr>
+        </p:nvSpPr>
+        <p:spPr/>
+        <p:txBody>
+          <a:bodyPr/>
+          <a:lstStyle/>
+          <a:p>
+            <a:pPr lvl="1">
+              <a:buAutoNum startAt="6" type="arabicPeriod"/>
+            </a:pPr>
+            <a:r>
+              <a:rPr/>
+              <a:t>Сделала коммит без метки -m и проверила состояние (fig. 5, 6).</a:t>
+            </a:r>
+          </a:p>
+        </p:txBody>
+      </p:sp>
+    </p:spTree>
+  </p:cSld>
+</p:sld>
+</file>
+
+<file path=ppt/slides/slide13.xml><?xml version="1.0" encoding="utf-8"?>
+<p:sld xmlns:a="http://schemas.openxmlformats.org/drawingml/2006/main" xmlns:r="http://schemas.openxmlformats.org/officeDocument/2006/relationships" xmlns:p="http://schemas.openxmlformats.org/presentationml/2006/main">
+  <p:cSld>
+    <p:spTree>
+      <p:nvGrpSpPr>
+        <p:cNvPr id="1" name=""/>
+        <p:cNvGrpSpPr/>
+        <p:nvPr/>
+      </p:nvGrpSpPr>
+      <p:grpSpPr>
+        <a:xfrm>
+          <a:off x="0" y="0"/>
+          <a:ext cx="0" cy="0"/>
+          <a:chOff x="0" y="0"/>
+          <a:chExt cx="0" cy="0"/>
+        </a:xfrm>
+      </p:grpSpPr>
+      <p:pic>
+        <p:nvPicPr>
+          <p:cNvPr descr="image/210213_6.jpg" id="0" name="Picture 1"/>
+          <p:cNvPicPr>
+            <a:picLocks noGrp="1" noChangeAspect="1"/>
+          </p:cNvPicPr>
+          <p:nvPr/>
+        </p:nvPicPr>
+        <p:blipFill>
+          <a:blip r:embed="rId2"/>
+          <a:stretch>
+            <a:fillRect/>
+          </a:stretch>
+        </p:blipFill>
+        <p:spPr bwMode="auto">
+          <a:xfrm>
+            <a:off x="1104900" y="1600200"/>
+            <a:ext cx="6934200" cy="4013200"/>
+          </a:xfrm>
+          <a:prstGeom prst="rect">
+            <a:avLst/>
+          </a:prstGeom>
+          <a:noFill/>
+          <a:ln w="9525">
+            <a:noFill/>
+            <a:headEnd/>
+            <a:tailEnd/>
+          </a:ln>
+        </p:spPr>
+      </p:pic>
+      <p:sp>
+        <p:nvSpPr>
+          <p:cNvPr id="1" name="TextBox 3"/>
+          <p:cNvSpPr txBox="1"/>
+          <p:nvPr/>
+        </p:nvSpPr>
+        <p:spPr>
+          <a:xfrm>
+            <a:off x="457200" y="5613400"/>
+            <a:ext cx="8229600" cy="508000"/>
+          </a:xfrm>
+          <a:prstGeom prst="rect">
+            <a:avLst/>
+          </a:prstGeom>
+          <a:noFill/>
+        </p:spPr>
+        <p:txBody>
+          <a:bodyPr/>
+          <a:lstStyle/>
+          <a:p>
+            <a:pPr lvl="0" marL="0" indent="0" algn="ctr">
+              <a:buNone/>
+            </a:pPr>
+            <a:r>
+              <a:rPr/>
+              <a:t>Figure</a:t>
+            </a:r>
+            <a:r>
+              <a:rPr/>
+              <a:t> </a:t>
+            </a:r>
+            <a:r>
+              <a:rPr/>
+              <a:t>5:</a:t>
+            </a:r>
+            <a:r>
+              <a:rPr/>
+              <a:t> </a:t>
+            </a:r>
+            <a:r>
+              <a:rPr/>
+              <a:t>Коммит</a:t>
+            </a:r>
+            <a:r>
+              <a:rPr/>
+              <a:t> </a:t>
+            </a:r>
+            <a:r>
+              <a:rPr/>
+              <a:t>файла</a:t>
+            </a:r>
+            <a:r>
+              <a:rPr/>
+              <a:t> </a:t>
+            </a:r>
+            <a:r>
+              <a:rPr/>
+              <a:t>hello.html</a:t>
+            </a:r>
+          </a:p>
+        </p:txBody>
+      </p:sp>
+    </p:spTree>
+  </p:cSld>
+</p:sld>
+</file>
+
+<file path=ppt/slides/slide14.xml><?xml version="1.0" encoding="utf-8"?>
+<p:sld xmlns:a="http://schemas.openxmlformats.org/drawingml/2006/main" xmlns:r="http://schemas.openxmlformats.org/officeDocument/2006/relationships" xmlns:p="http://schemas.openxmlformats.org/presentationml/2006/main">
+  <p:cSld>
+    <p:spTree>
+      <p:nvGrpSpPr>
+        <p:cNvPr id="1" name=""/>
+        <p:cNvGrpSpPr/>
+        <p:nvPr/>
+      </p:nvGrpSpPr>
+      <p:grpSpPr>
+        <a:xfrm>
+          <a:off x="0" y="0"/>
+          <a:ext cx="0" cy="0"/>
+          <a:chOff x="0" y="0"/>
+          <a:chExt cx="0" cy="0"/>
+        </a:xfrm>
+      </p:grpSpPr>
+      <p:pic>
+        <p:nvPicPr>
+          <p:cNvPr descr="image/210213_7.jpg" id="0" name="Picture 1"/>
+          <p:cNvPicPr>
+            <a:picLocks noGrp="1" noChangeAspect="1"/>
+          </p:cNvPicPr>
+          <p:nvPr/>
+        </p:nvPicPr>
+        <p:blipFill>
+          <a:blip r:embed="rId2"/>
+          <a:stretch>
+            <a:fillRect/>
+          </a:stretch>
+        </p:blipFill>
+        <p:spPr bwMode="auto">
+          <a:xfrm>
+            <a:off x="1828800" y="1600200"/>
+            <a:ext cx="5473700" cy="4013200"/>
+          </a:xfrm>
+          <a:prstGeom prst="rect">
+            <a:avLst/>
+          </a:prstGeom>
+          <a:noFill/>
+          <a:ln w="9525">
+            <a:noFill/>
+            <a:headEnd/>
+            <a:tailEnd/>
+          </a:ln>
+        </p:spPr>
+      </p:pic>
+      <p:sp>
+        <p:nvSpPr>
+          <p:cNvPr id="1" name="TextBox 3"/>
+          <p:cNvSpPr txBox="1"/>
+          <p:nvPr/>
+        </p:nvSpPr>
+        <p:spPr>
+          <a:xfrm>
+            <a:off x="457200" y="5613400"/>
+            <a:ext cx="8229600" cy="508000"/>
+          </a:xfrm>
+          <a:prstGeom prst="rect">
+            <a:avLst/>
+          </a:prstGeom>
+          <a:noFill/>
+        </p:spPr>
+        <p:txBody>
+          <a:bodyPr/>
+          <a:lstStyle/>
+          <a:p>
+            <a:pPr lvl="0" marL="0" indent="0" algn="ctr">
+              <a:buNone/>
+            </a:pPr>
+            <a:r>
+              <a:rPr/>
+              <a:t>Figure</a:t>
+            </a:r>
+            <a:r>
+              <a:rPr/>
+              <a:t> </a:t>
+            </a:r>
+            <a:r>
+              <a:rPr/>
+              <a:t>6:</a:t>
+            </a:r>
+            <a:r>
+              <a:rPr/>
+              <a:t> </a:t>
+            </a:r>
+            <a:r>
+              <a:rPr/>
+              <a:t>Проверка</a:t>
+            </a:r>
+            <a:r>
+              <a:rPr/>
+              <a:t> </a:t>
+            </a:r>
+            <a:r>
+              <a:rPr/>
+              <a:t>состояния</a:t>
+            </a:r>
+          </a:p>
+        </p:txBody>
+      </p:sp>
+    </p:spTree>
+  </p:cSld>
+</p:sld>
+</file>
+
+<file path=ppt/slides/slide15.xml><?xml version="1.0" encoding="utf-8"?>
+<p:sld xmlns:a="http://schemas.openxmlformats.org/drawingml/2006/main" xmlns:r="http://schemas.openxmlformats.org/officeDocument/2006/relationships" xmlns:p="http://schemas.openxmlformats.org/presentationml/2006/main">
+  <p:cSld>
+    <p:spTree>
+      <p:nvGrpSpPr>
+        <p:cNvPr id="1" name=""/>
+        <p:cNvGrpSpPr/>
+        <p:nvPr/>
+      </p:nvGrpSpPr>
+      <p:grpSpPr>
+        <a:xfrm>
+          <a:off x="0" y="0"/>
+          <a:ext cx="0" cy="0"/>
+          <a:chOff x="0" y="0"/>
+          <a:chExt cx="0" cy="0"/>
+        </a:xfrm>
+      </p:grpSpPr>
+      <p:sp>
+        <p:nvSpPr>
+          <p:cNvPr id="3" name="Content Placeholder 2"/>
+          <p:cNvSpPr>
+            <a:spLocks noGrp="1"/>
+          </p:cNvSpPr>
+          <p:nvPr>
+            <p:ph idx="1"/>
+          </p:nvPr>
+        </p:nvSpPr>
+        <p:spPr/>
+        <p:txBody>
+          <a:bodyPr/>
+          <a:lstStyle/>
+          <a:p>
+            <a:pPr lvl="1">
+              <a:buAutoNum startAt="7" type="arabicPeriod"/>
+            </a:pPr>
+            <a:r>
+              <a:rPr/>
+              <a:t>Изменила hello.html, чтобы он содержал стандартные теги html и body (fig. 7).</a:t>
+            </a:r>
+          </a:p>
+        </p:txBody>
+      </p:sp>
+    </p:spTree>
+  </p:cSld>
+</p:sld>
+</file>
+
+<file path=ppt/slides/slide16.xml><?xml version="1.0" encoding="utf-8"?>
+<p:sld xmlns:a="http://schemas.openxmlformats.org/drawingml/2006/main" xmlns:r="http://schemas.openxmlformats.org/officeDocument/2006/relationships" xmlns:p="http://schemas.openxmlformats.org/presentationml/2006/main">
+  <p:cSld>
+    <p:spTree>
+      <p:nvGrpSpPr>
+        <p:cNvPr id="1" name=""/>
+        <p:cNvGrpSpPr/>
+        <p:nvPr/>
+      </p:nvGrpSpPr>
+      <p:grpSpPr>
+        <a:xfrm>
+          <a:off x="0" y="0"/>
+          <a:ext cx="0" cy="0"/>
+          <a:chOff x="0" y="0"/>
+          <a:chExt cx="0" cy="0"/>
+        </a:xfrm>
+      </p:grpSpPr>
+      <p:pic>
+        <p:nvPicPr>
+          <p:cNvPr descr="image/210213_8.jpg" id="0" name="Picture 1"/>
+          <p:cNvPicPr>
+            <a:picLocks noGrp="1" noChangeAspect="1"/>
+          </p:cNvPicPr>
+          <p:nvPr/>
+        </p:nvPicPr>
+        <p:blipFill>
+          <a:blip r:embed="rId2"/>
+          <a:stretch>
+            <a:fillRect/>
+          </a:stretch>
+        </p:blipFill>
+        <p:spPr bwMode="auto">
+          <a:xfrm>
+            <a:off x="876300" y="1600200"/>
+            <a:ext cx="7391400" cy="4013200"/>
+          </a:xfrm>
+          <a:prstGeom prst="rect">
+            <a:avLst/>
+          </a:prstGeom>
+          <a:noFill/>
+          <a:ln w="9525">
+            <a:noFill/>
+            <a:headEnd/>
+            <a:tailEnd/>
+          </a:ln>
+        </p:spPr>
+      </p:pic>
+      <p:sp>
+        <p:nvSpPr>
+          <p:cNvPr id="1" name="TextBox 3"/>
+          <p:cNvSpPr txBox="1"/>
+          <p:nvPr/>
+        </p:nvSpPr>
+        <p:spPr>
+          <a:xfrm>
+            <a:off x="457200" y="5613400"/>
+            <a:ext cx="8229600" cy="508000"/>
+          </a:xfrm>
+          <a:prstGeom prst="rect">
+            <a:avLst/>
+          </a:prstGeom>
+          <a:noFill/>
+        </p:spPr>
+        <p:txBody>
+          <a:bodyPr/>
+          <a:lstStyle/>
+          <a:p>
+            <a:pPr lvl="0" marL="0" indent="0" algn="ctr">
+              <a:buNone/>
+            </a:pPr>
+            <a:r>
+              <a:rPr/>
+              <a:t>Figure</a:t>
+            </a:r>
+            <a:r>
+              <a:rPr/>
+              <a:t> </a:t>
+            </a:r>
+            <a:r>
+              <a:rPr/>
+              <a:t>7:</a:t>
+            </a:r>
+            <a:r>
+              <a:rPr/>
+              <a:t> </a:t>
+            </a:r>
+            <a:r>
+              <a:rPr/>
+              <a:t>Добавление</a:t>
+            </a:r>
+            <a:r>
+              <a:rPr/>
+              <a:t> </a:t>
+            </a:r>
+            <a:r>
+              <a:rPr/>
+              <a:t>стандартных</a:t>
+            </a:r>
+            <a:r>
+              <a:rPr/>
+              <a:t> </a:t>
+            </a:r>
+            <a:r>
+              <a:rPr/>
+              <a:t>тегов</a:t>
+            </a:r>
+            <a:r>
+              <a:rPr/>
+              <a:t> </a:t>
+            </a:r>
+            <a:r>
+              <a:rPr/>
+              <a:t>в</a:t>
+            </a:r>
+            <a:r>
+              <a:rPr/>
+              <a:t> </a:t>
+            </a:r>
+            <a:r>
+              <a:rPr/>
+              <a:t>hello.html</a:t>
+            </a:r>
+          </a:p>
+        </p:txBody>
+      </p:sp>
+    </p:spTree>
+  </p:cSld>
+</p:sld>
+</file>
+
+<file path=ppt/slides/slide17.xml><?xml version="1.0" encoding="utf-8"?>
+<p:sld xmlns:a="http://schemas.openxmlformats.org/drawingml/2006/main" xmlns:r="http://schemas.openxmlformats.org/officeDocument/2006/relationships" xmlns:p="http://schemas.openxmlformats.org/presentationml/2006/main">
+  <p:cSld>
+    <p:spTree>
+      <p:nvGrpSpPr>
+        <p:cNvPr id="1" name=""/>
+        <p:cNvGrpSpPr/>
+        <p:nvPr/>
+      </p:nvGrpSpPr>
+      <p:grpSpPr>
+        <a:xfrm>
+          <a:off x="0" y="0"/>
+          <a:ext cx="0" cy="0"/>
+          <a:chOff x="0" y="0"/>
+          <a:chExt cx="0" cy="0"/>
+        </a:xfrm>
+      </p:grpSpPr>
+      <p:sp>
+        <p:nvSpPr>
+          <p:cNvPr id="3" name="Content Placeholder 2"/>
+          <p:cNvSpPr>
+            <a:spLocks noGrp="1"/>
+          </p:cNvSpPr>
+          <p:nvPr>
+            <p:ph idx="1"/>
+          </p:nvPr>
+        </p:nvSpPr>
+        <p:spPr/>
+        <p:txBody>
+          <a:bodyPr/>
+          <a:lstStyle/>
+          <a:p>
+            <a:pPr lvl="1">
+              <a:buAutoNum startAt="8" type="arabicPeriod"/>
+            </a:pPr>
+            <a:r>
+              <a:rPr/>
+              <a:t>Добавила это изменение в индекс git (fig. 8)</a:t>
+            </a:r>
+          </a:p>
+        </p:txBody>
+      </p:sp>
+    </p:spTree>
+  </p:cSld>
+</p:sld>
+</file>
+
+<file path=ppt/slides/slide18.xml><?xml version="1.0" encoding="utf-8"?>
+<p:sld xmlns:a="http://schemas.openxmlformats.org/drawingml/2006/main" xmlns:r="http://schemas.openxmlformats.org/officeDocument/2006/relationships" xmlns:p="http://schemas.openxmlformats.org/presentationml/2006/main">
+  <p:cSld>
+    <p:spTree>
+      <p:nvGrpSpPr>
+        <p:cNvPr id="1" name=""/>
+        <p:cNvGrpSpPr/>
+        <p:nvPr/>
+      </p:nvGrpSpPr>
+      <p:grpSpPr>
+        <a:xfrm>
+          <a:off x="0" y="0"/>
+          <a:ext cx="0" cy="0"/>
+          <a:chOff x="0" y="0"/>
+          <a:chExt cx="0" cy="0"/>
+        </a:xfrm>
+      </p:grpSpPr>
+      <p:pic>
+        <p:nvPicPr>
+          <p:cNvPr descr="image/210213_9.jpg" id="0" name="Picture 1"/>
+          <p:cNvPicPr>
+            <a:picLocks noGrp="1" noChangeAspect="1"/>
+          </p:cNvPicPr>
+          <p:nvPr/>
+        </p:nvPicPr>
+        <p:blipFill>
+          <a:blip r:embed="rId2"/>
+          <a:stretch>
+            <a:fillRect/>
+          </a:stretch>
+        </p:blipFill>
+        <p:spPr bwMode="auto">
+          <a:xfrm>
+            <a:off x="1473200" y="1600200"/>
+            <a:ext cx="6197600" cy="4013200"/>
+          </a:xfrm>
+          <a:prstGeom prst="rect">
+            <a:avLst/>
+          </a:prstGeom>
+          <a:noFill/>
+          <a:ln w="9525">
+            <a:noFill/>
+            <a:headEnd/>
+            <a:tailEnd/>
+          </a:ln>
+        </p:spPr>
+      </p:pic>
+      <p:sp>
+        <p:nvSpPr>
+          <p:cNvPr id="1" name="TextBox 3"/>
+          <p:cNvSpPr txBox="1"/>
+          <p:nvPr/>
+        </p:nvSpPr>
+        <p:spPr>
+          <a:xfrm>
+            <a:off x="457200" y="5613400"/>
+            <a:ext cx="8229600" cy="508000"/>
+          </a:xfrm>
+          <a:prstGeom prst="rect">
+            <a:avLst/>
+          </a:prstGeom>
+          <a:noFill/>
+        </p:spPr>
+        <p:txBody>
+          <a:bodyPr/>
+          <a:lstStyle/>
+          <a:p>
+            <a:pPr lvl="0" marL="0" indent="0" algn="ctr">
+              <a:buNone/>
+            </a:pPr>
+            <a:r>
+              <a:rPr/>
+              <a:t>Figure</a:t>
+            </a:r>
+            <a:r>
+              <a:rPr/>
+              <a:t> </a:t>
+            </a:r>
+            <a:r>
+              <a:rPr/>
+              <a:t>8:</a:t>
+            </a:r>
+            <a:r>
+              <a:rPr/>
+              <a:t> </a:t>
+            </a:r>
+            <a:r>
+              <a:rPr/>
+              <a:t>Добавление</a:t>
+            </a:r>
+            <a:r>
+              <a:rPr/>
+              <a:t> </a:t>
+            </a:r>
+            <a:r>
+              <a:rPr/>
+              <a:t>изменений</a:t>
+            </a:r>
+          </a:p>
+        </p:txBody>
+      </p:sp>
+    </p:spTree>
+  </p:cSld>
+</p:sld>
+</file>
+
+<file path=ppt/slides/slide19.xml><?xml version="1.0" encoding="utf-8"?>
+<p:sld xmlns:a="http://schemas.openxmlformats.org/drawingml/2006/main" xmlns:r="http://schemas.openxmlformats.org/officeDocument/2006/relationships" xmlns:p="http://schemas.openxmlformats.org/presentationml/2006/main">
+  <p:cSld>
+    <p:spTree>
+      <p:nvGrpSpPr>
+        <p:cNvPr id="1" name=""/>
+        <p:cNvGrpSpPr/>
+        <p:nvPr/>
+      </p:nvGrpSpPr>
+      <p:grpSpPr>
+        <a:xfrm>
+          <a:off x="0" y="0"/>
+          <a:ext cx="0" cy="0"/>
+          <a:chOff x="0" y="0"/>
+          <a:chExt cx="0" cy="0"/>
+        </a:xfrm>
+      </p:grpSpPr>
+      <p:sp>
+        <p:nvSpPr>
+          <p:cNvPr id="3" name="Content Placeholder 2"/>
+          <p:cNvSpPr>
+            <a:spLocks noGrp="1"/>
+          </p:cNvSpPr>
+          <p:nvPr>
+            <p:ph idx="1"/>
+          </p:nvPr>
+        </p:nvSpPr>
+        <p:spPr/>
+        <p:txBody>
+          <a:bodyPr/>
+          <a:lstStyle/>
+          <a:p>
+            <a:pPr lvl="1">
+              <a:buAutoNum startAt="9" type="arabicPeriod"/>
+            </a:pPr>
+            <a:r>
+              <a:rPr/>
+              <a:t>Добавила заголовки HTML в мой файл (fig. 9)</a:t>
             </a:r>
           </a:p>
         </p:txBody>
@@ -3313,16 +4208,860 @@
             </a:pPr>
             <a:r>
               <a:rPr/>
-              <a:t>Здесь приводится формулировка цели лабораторной работы. Формулировки цели для каждой лабораторной работы приведены в методических указаниях.</a:t>
-            </a:r>
-          </a:p>
-          <a:p>
-            <a:pPr lvl="0" marL="0" indent="0">
+              <a:t>Получить навыки использования git. Получить навыки в написании отчета, используя Markdown.</a:t>
+            </a:r>
+          </a:p>
+        </p:txBody>
+      </p:sp>
+    </p:spTree>
+  </p:cSld>
+</p:sld>
+</file>
+
+<file path=ppt/slides/slide20.xml><?xml version="1.0" encoding="utf-8"?>
+<p:sld xmlns:a="http://schemas.openxmlformats.org/drawingml/2006/main" xmlns:r="http://schemas.openxmlformats.org/officeDocument/2006/relationships" xmlns:p="http://schemas.openxmlformats.org/presentationml/2006/main">
+  <p:cSld>
+    <p:spTree>
+      <p:nvGrpSpPr>
+        <p:cNvPr id="1" name=""/>
+        <p:cNvGrpSpPr/>
+        <p:nvPr/>
+      </p:nvGrpSpPr>
+      <p:grpSpPr>
+        <a:xfrm>
+          <a:off x="0" y="0"/>
+          <a:ext cx="0" cy="0"/>
+          <a:chOff x="0" y="0"/>
+          <a:chExt cx="0" cy="0"/>
+        </a:xfrm>
+      </p:grpSpPr>
+      <p:pic>
+        <p:nvPicPr>
+          <p:cNvPr descr="image/210213_10.jpg" id="0" name="Picture 1"/>
+          <p:cNvPicPr>
+            <a:picLocks noGrp="1" noChangeAspect="1"/>
+          </p:cNvPicPr>
+          <p:nvPr/>
+        </p:nvPicPr>
+        <p:blipFill>
+          <a:blip r:embed="rId2"/>
+          <a:stretch>
+            <a:fillRect/>
+          </a:stretch>
+        </p:blipFill>
+        <p:spPr bwMode="auto">
+          <a:xfrm>
+            <a:off x="457200" y="1981200"/>
+            <a:ext cx="8229600" cy="3251200"/>
+          </a:xfrm>
+          <a:prstGeom prst="rect">
+            <a:avLst/>
+          </a:prstGeom>
+          <a:noFill/>
+          <a:ln w="9525">
+            <a:noFill/>
+            <a:headEnd/>
+            <a:tailEnd/>
+          </a:ln>
+        </p:spPr>
+      </p:pic>
+      <p:sp>
+        <p:nvSpPr>
+          <p:cNvPr id="1" name="TextBox 3"/>
+          <p:cNvSpPr txBox="1"/>
+          <p:nvPr/>
+        </p:nvSpPr>
+        <p:spPr>
+          <a:xfrm>
+            <a:off x="457200" y="5613400"/>
+            <a:ext cx="8229600" cy="508000"/>
+          </a:xfrm>
+          <a:prstGeom prst="rect">
+            <a:avLst/>
+          </a:prstGeom>
+          <a:noFill/>
+        </p:spPr>
+        <p:txBody>
+          <a:bodyPr/>
+          <a:lstStyle/>
+          <a:p>
+            <a:pPr lvl="0" marL="0" indent="0" algn="ctr">
               <a:buNone/>
             </a:pPr>
             <a:r>
               <a:rPr/>
-              <a:t>Цель данного шаблона — максимально упростить подготовку отчётов по лабораторным работам. Модифицируя данный шаблон, студенты смогут без труда подготовить отчёт по лабораторным работам, а также познакомиться с основными возможностями разметки Markdown.</a:t>
+              <a:t>Figure</a:t>
+            </a:r>
+            <a:r>
+              <a:rPr/>
+              <a:t> </a:t>
+            </a:r>
+            <a:r>
+              <a:rPr/>
+              <a:t>9:</a:t>
+            </a:r>
+            <a:r>
+              <a:rPr/>
+              <a:t> </a:t>
+            </a:r>
+            <a:r>
+              <a:rPr/>
+              <a:t>Добавление</a:t>
+            </a:r>
+            <a:r>
+              <a:rPr/>
+              <a:t> </a:t>
+            </a:r>
+            <a:r>
+              <a:rPr/>
+              <a:t>заголовков</a:t>
+            </a:r>
+            <a:r>
+              <a:rPr/>
+              <a:t> </a:t>
+            </a:r>
+            <a:r>
+              <a:rPr/>
+              <a:t>в</a:t>
+            </a:r>
+            <a:r>
+              <a:rPr/>
+              <a:t> </a:t>
+            </a:r>
+            <a:r>
+              <a:rPr/>
+              <a:t>hello.html</a:t>
+            </a:r>
+          </a:p>
+        </p:txBody>
+      </p:sp>
+    </p:spTree>
+  </p:cSld>
+</p:sld>
+</file>
+
+<file path=ppt/slides/slide21.xml><?xml version="1.0" encoding="utf-8"?>
+<p:sld xmlns:a="http://schemas.openxmlformats.org/drawingml/2006/main" xmlns:r="http://schemas.openxmlformats.org/officeDocument/2006/relationships" xmlns:p="http://schemas.openxmlformats.org/presentationml/2006/main">
+  <p:cSld>
+    <p:spTree>
+      <p:nvGrpSpPr>
+        <p:cNvPr id="1" name=""/>
+        <p:cNvGrpSpPr/>
+        <p:nvPr/>
+      </p:nvGrpSpPr>
+      <p:grpSpPr>
+        <a:xfrm>
+          <a:off x="0" y="0"/>
+          <a:ext cx="0" cy="0"/>
+          <a:chOff x="0" y="0"/>
+          <a:chExt cx="0" cy="0"/>
+        </a:xfrm>
+      </p:grpSpPr>
+      <p:sp>
+        <p:nvSpPr>
+          <p:cNvPr id="3" name="Content Placeholder 2"/>
+          <p:cNvSpPr>
+            <a:spLocks noGrp="1"/>
+          </p:cNvSpPr>
+          <p:nvPr>
+            <p:ph idx="1"/>
+          </p:nvPr>
+        </p:nvSpPr>
+        <p:spPr/>
+        <p:txBody>
+          <a:bodyPr/>
+          <a:lstStyle/>
+          <a:p>
+            <a:pPr lvl="1">
+              <a:buAutoNum startAt="10" type="arabicPeriod"/>
+            </a:pPr>
+            <a:r>
+              <a:rPr/>
+              <a:t>Проверила статус. Увидела, что hello.html указан дважды. Первое изменение проиндексировано и готово к коммиту. Второе изменение является непроиндексированным (fig. 10).</a:t>
+            </a:r>
+          </a:p>
+        </p:txBody>
+      </p:sp>
+    </p:spTree>
+  </p:cSld>
+</p:sld>
+</file>
+
+<file path=ppt/slides/slide22.xml><?xml version="1.0" encoding="utf-8"?>
+<p:sld xmlns:a="http://schemas.openxmlformats.org/drawingml/2006/main" xmlns:r="http://schemas.openxmlformats.org/officeDocument/2006/relationships" xmlns:p="http://schemas.openxmlformats.org/presentationml/2006/main">
+  <p:cSld>
+    <p:spTree>
+      <p:nvGrpSpPr>
+        <p:cNvPr id="1" name=""/>
+        <p:cNvGrpSpPr/>
+        <p:nvPr/>
+      </p:nvGrpSpPr>
+      <p:grpSpPr>
+        <a:xfrm>
+          <a:off x="0" y="0"/>
+          <a:ext cx="0" cy="0"/>
+          <a:chOff x="0" y="0"/>
+          <a:chExt cx="0" cy="0"/>
+        </a:xfrm>
+      </p:grpSpPr>
+      <p:pic>
+        <p:nvPicPr>
+          <p:cNvPr descr="image/210213_11.jpg" id="0" name="Picture 1"/>
+          <p:cNvPicPr>
+            <a:picLocks noGrp="1" noChangeAspect="1"/>
+          </p:cNvPicPr>
+          <p:nvPr/>
+        </p:nvPicPr>
+        <p:blipFill>
+          <a:blip r:embed="rId2"/>
+          <a:stretch>
+            <a:fillRect/>
+          </a:stretch>
+        </p:blipFill>
+        <p:spPr bwMode="auto">
+          <a:xfrm>
+            <a:off x="1739900" y="1600200"/>
+            <a:ext cx="5664200" cy="4013200"/>
+          </a:xfrm>
+          <a:prstGeom prst="rect">
+            <a:avLst/>
+          </a:prstGeom>
+          <a:noFill/>
+          <a:ln w="9525">
+            <a:noFill/>
+            <a:headEnd/>
+            <a:tailEnd/>
+          </a:ln>
+        </p:spPr>
+      </p:pic>
+      <p:sp>
+        <p:nvSpPr>
+          <p:cNvPr id="1" name="TextBox 3"/>
+          <p:cNvSpPr txBox="1"/>
+          <p:nvPr/>
+        </p:nvSpPr>
+        <p:spPr>
+          <a:xfrm>
+            <a:off x="457200" y="5613400"/>
+            <a:ext cx="8229600" cy="508000"/>
+          </a:xfrm>
+          <a:prstGeom prst="rect">
+            <a:avLst/>
+          </a:prstGeom>
+          <a:noFill/>
+        </p:spPr>
+        <p:txBody>
+          <a:bodyPr/>
+          <a:lstStyle/>
+          <a:p>
+            <a:pPr lvl="0" marL="0" indent="0" algn="ctr">
+              <a:buNone/>
+            </a:pPr>
+            <a:r>
+              <a:rPr/>
+              <a:t>Figure</a:t>
+            </a:r>
+            <a:r>
+              <a:rPr/>
+              <a:t> </a:t>
+            </a:r>
+            <a:r>
+              <a:rPr/>
+              <a:t>10:</a:t>
+            </a:r>
+            <a:r>
+              <a:rPr/>
+              <a:t> </a:t>
+            </a:r>
+            <a:r>
+              <a:rPr/>
+              <a:t>Проверка</a:t>
+            </a:r>
+            <a:r>
+              <a:rPr/>
+              <a:t> </a:t>
+            </a:r>
+            <a:r>
+              <a:rPr/>
+              <a:t>состояния</a:t>
+            </a:r>
+          </a:p>
+        </p:txBody>
+      </p:sp>
+    </p:spTree>
+  </p:cSld>
+</p:sld>
+</file>
+
+<file path=ppt/slides/slide23.xml><?xml version="1.0" encoding="utf-8"?>
+<p:sld xmlns:a="http://schemas.openxmlformats.org/drawingml/2006/main" xmlns:r="http://schemas.openxmlformats.org/officeDocument/2006/relationships" xmlns:p="http://schemas.openxmlformats.org/presentationml/2006/main">
+  <p:cSld>
+    <p:spTree>
+      <p:nvGrpSpPr>
+        <p:cNvPr id="1" name=""/>
+        <p:cNvGrpSpPr/>
+        <p:nvPr/>
+      </p:nvGrpSpPr>
+      <p:grpSpPr>
+        <a:xfrm>
+          <a:off x="0" y="0"/>
+          <a:ext cx="0" cy="0"/>
+          <a:chOff x="0" y="0"/>
+          <a:chExt cx="0" cy="0"/>
+        </a:xfrm>
+      </p:grpSpPr>
+      <p:sp>
+        <p:nvSpPr>
+          <p:cNvPr id="3" name="Content Placeholder 2"/>
+          <p:cNvSpPr>
+            <a:spLocks noGrp="1"/>
+          </p:cNvSpPr>
+          <p:nvPr>
+            <p:ph idx="1"/>
+          </p:nvPr>
+        </p:nvSpPr>
+        <p:spPr/>
+        <p:txBody>
+          <a:bodyPr/>
+          <a:lstStyle/>
+          <a:p>
+            <a:pPr lvl="1">
+              <a:buAutoNum startAt="11" type="arabicPeriod"/>
+            </a:pPr>
+            <a:r>
+              <a:rPr/>
+              <a:t>Произвела коммит проиндексированного изменения, а затем еще раз проверила состояние. Осталось непроиндексированное изменение. Проиндексировала его, проверила состояние. Закоммитила. Получила сообщение о том, что коммитить нечего (fig. 11).</a:t>
+            </a:r>
+          </a:p>
+        </p:txBody>
+      </p:sp>
+    </p:spTree>
+  </p:cSld>
+</p:sld>
+</file>
+
+<file path=ppt/slides/slide24.xml><?xml version="1.0" encoding="utf-8"?>
+<p:sld xmlns:a="http://schemas.openxmlformats.org/drawingml/2006/main" xmlns:r="http://schemas.openxmlformats.org/officeDocument/2006/relationships" xmlns:p="http://schemas.openxmlformats.org/presentationml/2006/main">
+  <p:cSld>
+    <p:spTree>
+      <p:nvGrpSpPr>
+        <p:cNvPr id="1" name=""/>
+        <p:cNvGrpSpPr/>
+        <p:nvPr/>
+      </p:nvGrpSpPr>
+      <p:grpSpPr>
+        <a:xfrm>
+          <a:off x="0" y="0"/>
+          <a:ext cx="0" cy="0"/>
+          <a:chOff x="0" y="0"/>
+          <a:chExt cx="0" cy="0"/>
+        </a:xfrm>
+      </p:grpSpPr>
+      <p:pic>
+        <p:nvPicPr>
+          <p:cNvPr descr="image/210213_12.jpg" id="0" name="Picture 1"/>
+          <p:cNvPicPr>
+            <a:picLocks noGrp="1" noChangeAspect="1"/>
+          </p:cNvPicPr>
+          <p:nvPr/>
+        </p:nvPicPr>
+        <p:blipFill>
+          <a:blip r:embed="rId2"/>
+          <a:stretch>
+            <a:fillRect/>
+          </a:stretch>
+        </p:blipFill>
+        <p:spPr bwMode="auto">
+          <a:xfrm>
+            <a:off x="1358900" y="1600200"/>
+            <a:ext cx="6438900" cy="4013200"/>
+          </a:xfrm>
+          <a:prstGeom prst="rect">
+            <a:avLst/>
+          </a:prstGeom>
+          <a:noFill/>
+          <a:ln w="9525">
+            <a:noFill/>
+            <a:headEnd/>
+            <a:tailEnd/>
+          </a:ln>
+        </p:spPr>
+      </p:pic>
+      <p:sp>
+        <p:nvSpPr>
+          <p:cNvPr id="1" name="TextBox 3"/>
+          <p:cNvSpPr txBox="1"/>
+          <p:nvPr/>
+        </p:nvSpPr>
+        <p:spPr>
+          <a:xfrm>
+            <a:off x="457200" y="5613400"/>
+            <a:ext cx="8229600" cy="508000"/>
+          </a:xfrm>
+          <a:prstGeom prst="rect">
+            <a:avLst/>
+          </a:prstGeom>
+          <a:noFill/>
+        </p:spPr>
+        <p:txBody>
+          <a:bodyPr/>
+          <a:lstStyle/>
+          <a:p>
+            <a:pPr lvl="0" marL="0" indent="0" algn="ctr">
+              <a:buNone/>
+            </a:pPr>
+            <a:r>
+              <a:rPr/>
+              <a:t>Figure</a:t>
+            </a:r>
+            <a:r>
+              <a:rPr/>
+              <a:t> </a:t>
+            </a:r>
+            <a:r>
+              <a:rPr/>
+              <a:t>11:</a:t>
+            </a:r>
+            <a:r>
+              <a:rPr/>
+              <a:t> </a:t>
+            </a:r>
+            <a:r>
+              <a:rPr/>
+              <a:t>Внесение</a:t>
+            </a:r>
+            <a:r>
+              <a:rPr/>
+              <a:t> </a:t>
+            </a:r>
+            <a:r>
+              <a:rPr/>
+              <a:t>всех</a:t>
+            </a:r>
+            <a:r>
+              <a:rPr/>
+              <a:t> </a:t>
+            </a:r>
+            <a:r>
+              <a:rPr/>
+              <a:t>изменений</a:t>
+            </a:r>
+            <a:r>
+              <a:rPr/>
+              <a:t> </a:t>
+            </a:r>
+            <a:r>
+              <a:rPr/>
+              <a:t>в</a:t>
+            </a:r>
+            <a:r>
+              <a:rPr/>
+              <a:t> </a:t>
+            </a:r>
+            <a:r>
+              <a:rPr/>
+              <a:t>репозиторий</a:t>
+            </a:r>
+            <a:r>
+              <a:rPr/>
+              <a:t> </a:t>
+            </a:r>
+            <a:r>
+              <a:rPr/>
+              <a:t>и</a:t>
+            </a:r>
+            <a:r>
+              <a:rPr/>
+              <a:t> </a:t>
+            </a:r>
+            <a:r>
+              <a:rPr/>
+              <a:t>проверка</a:t>
+            </a:r>
+            <a:r>
+              <a:rPr/>
+              <a:t> </a:t>
+            </a:r>
+            <a:r>
+              <a:rPr/>
+              <a:t>состояния</a:t>
+            </a:r>
+          </a:p>
+        </p:txBody>
+      </p:sp>
+    </p:spTree>
+  </p:cSld>
+</p:sld>
+</file>
+
+<file path=ppt/slides/slide25.xml><?xml version="1.0" encoding="utf-8"?>
+<p:sld xmlns:a="http://schemas.openxmlformats.org/drawingml/2006/main" xmlns:r="http://schemas.openxmlformats.org/officeDocument/2006/relationships" xmlns:p="http://schemas.openxmlformats.org/presentationml/2006/main">
+  <p:cSld>
+    <p:spTree>
+      <p:nvGrpSpPr>
+        <p:cNvPr id="1" name=""/>
+        <p:cNvGrpSpPr/>
+        <p:nvPr/>
+      </p:nvGrpSpPr>
+      <p:grpSpPr>
+        <a:xfrm>
+          <a:off x="0" y="0"/>
+          <a:ext cx="0" cy="0"/>
+          <a:chOff x="0" y="0"/>
+          <a:chExt cx="0" cy="0"/>
+        </a:xfrm>
+      </p:grpSpPr>
+      <p:sp>
+        <p:nvSpPr>
+          <p:cNvPr id="3" name="Content Placeholder 2"/>
+          <p:cNvSpPr>
+            <a:spLocks noGrp="1"/>
+          </p:cNvSpPr>
+          <p:nvPr>
+            <p:ph idx="1"/>
+          </p:nvPr>
+        </p:nvSpPr>
+        <p:spPr/>
+        <p:txBody>
+          <a:bodyPr/>
+          <a:lstStyle/>
+          <a:p>
+            <a:pPr lvl="1">
+              <a:buAutoNum startAt="12" type="arabicPeriod"/>
+            </a:pPr>
+            <a:r>
+              <a:rPr/>
+              <a:t>Посмотрела историю, где увидела все внесённые изменения (fig. 12)</a:t>
+            </a:r>
+          </a:p>
+        </p:txBody>
+      </p:sp>
+    </p:spTree>
+  </p:cSld>
+</p:sld>
+</file>
+
+<file path=ppt/slides/slide26.xml><?xml version="1.0" encoding="utf-8"?>
+<p:sld xmlns:a="http://schemas.openxmlformats.org/drawingml/2006/main" xmlns:r="http://schemas.openxmlformats.org/officeDocument/2006/relationships" xmlns:p="http://schemas.openxmlformats.org/presentationml/2006/main">
+  <p:cSld>
+    <p:spTree>
+      <p:nvGrpSpPr>
+        <p:cNvPr id="1" name=""/>
+        <p:cNvGrpSpPr/>
+        <p:nvPr/>
+      </p:nvGrpSpPr>
+      <p:grpSpPr>
+        <a:xfrm>
+          <a:off x="0" y="0"/>
+          <a:ext cx="0" cy="0"/>
+          <a:chOff x="0" y="0"/>
+          <a:chExt cx="0" cy="0"/>
+        </a:xfrm>
+      </p:grpSpPr>
+      <p:pic>
+        <p:nvPicPr>
+          <p:cNvPr descr="image/210213_13.jpg" id="0" name="Picture 1"/>
+          <p:cNvPicPr>
+            <a:picLocks noGrp="1" noChangeAspect="1"/>
+          </p:cNvPicPr>
+          <p:nvPr/>
+        </p:nvPicPr>
+        <p:blipFill>
+          <a:blip r:embed="rId2"/>
+          <a:stretch>
+            <a:fillRect/>
+          </a:stretch>
+        </p:blipFill>
+        <p:spPr bwMode="auto">
+          <a:xfrm>
+            <a:off x="1651000" y="1600200"/>
+            <a:ext cx="5854700" cy="4013200"/>
+          </a:xfrm>
+          <a:prstGeom prst="rect">
+            <a:avLst/>
+          </a:prstGeom>
+          <a:noFill/>
+          <a:ln w="9525">
+            <a:noFill/>
+            <a:headEnd/>
+            <a:tailEnd/>
+          </a:ln>
+        </p:spPr>
+      </p:pic>
+      <p:sp>
+        <p:nvSpPr>
+          <p:cNvPr id="1" name="TextBox 3"/>
+          <p:cNvSpPr txBox="1"/>
+          <p:nvPr/>
+        </p:nvSpPr>
+        <p:spPr>
+          <a:xfrm>
+            <a:off x="457200" y="5613400"/>
+            <a:ext cx="8229600" cy="508000"/>
+          </a:xfrm>
+          <a:prstGeom prst="rect">
+            <a:avLst/>
+          </a:prstGeom>
+          <a:noFill/>
+        </p:spPr>
+        <p:txBody>
+          <a:bodyPr/>
+          <a:lstStyle/>
+          <a:p>
+            <a:pPr lvl="0" marL="0" indent="0" algn="ctr">
+              <a:buNone/>
+            </a:pPr>
+            <a:r>
+              <a:rPr/>
+              <a:t>Figure</a:t>
+            </a:r>
+            <a:r>
+              <a:rPr/>
+              <a:t> </a:t>
+            </a:r>
+            <a:r>
+              <a:rPr/>
+              <a:t>12:</a:t>
+            </a:r>
+            <a:r>
+              <a:rPr/>
+              <a:t> </a:t>
+            </a:r>
+            <a:r>
+              <a:rPr/>
+              <a:t>Список</a:t>
+            </a:r>
+            <a:r>
+              <a:rPr/>
+              <a:t> </a:t>
+            </a:r>
+            <a:r>
+              <a:rPr/>
+              <a:t>произведенных</a:t>
+            </a:r>
+            <a:r>
+              <a:rPr/>
+              <a:t> </a:t>
+            </a:r>
+            <a:r>
+              <a:rPr/>
+              <a:t>изменений</a:t>
+            </a:r>
+          </a:p>
+        </p:txBody>
+      </p:sp>
+    </p:spTree>
+  </p:cSld>
+</p:sld>
+</file>
+
+<file path=ppt/slides/slide27.xml><?xml version="1.0" encoding="utf-8"?>
+<p:sld xmlns:a="http://schemas.openxmlformats.org/drawingml/2006/main" xmlns:r="http://schemas.openxmlformats.org/officeDocument/2006/relationships" xmlns:p="http://schemas.openxmlformats.org/presentationml/2006/main">
+  <p:cSld>
+    <p:spTree>
+      <p:nvGrpSpPr>
+        <p:cNvPr id="1" name=""/>
+        <p:cNvGrpSpPr/>
+        <p:nvPr/>
+      </p:nvGrpSpPr>
+      <p:grpSpPr>
+        <a:xfrm>
+          <a:off x="0" y="0"/>
+          <a:ext cx="0" cy="0"/>
+          <a:chOff x="0" y="0"/>
+          <a:chExt cx="0" cy="0"/>
+        </a:xfrm>
+      </p:grpSpPr>
+      <p:sp>
+        <p:nvSpPr>
+          <p:cNvPr id="3" name="Content Placeholder 2"/>
+          <p:cNvSpPr>
+            <a:spLocks noGrp="1"/>
+          </p:cNvSpPr>
+          <p:nvPr>
+            <p:ph idx="1"/>
+          </p:nvPr>
+        </p:nvSpPr>
+        <p:spPr/>
+        <p:txBody>
+          <a:bodyPr/>
+          <a:lstStyle/>
+          <a:p>
+            <a:pPr lvl="1">
+              <a:buAutoNum startAt="13" type="arabicPeriod"/>
+            </a:pPr>
+            <a:r>
+              <a:rPr/>
+              <a:t>Выгрузила измененные файлы на GitHub (fig. 13)</a:t>
+            </a:r>
+          </a:p>
+        </p:txBody>
+      </p:sp>
+    </p:spTree>
+  </p:cSld>
+</p:sld>
+</file>
+
+<file path=ppt/slides/slide28.xml><?xml version="1.0" encoding="utf-8"?>
+<p:sld xmlns:a="http://schemas.openxmlformats.org/drawingml/2006/main" xmlns:r="http://schemas.openxmlformats.org/officeDocument/2006/relationships" xmlns:p="http://schemas.openxmlformats.org/presentationml/2006/main">
+  <p:cSld>
+    <p:spTree>
+      <p:nvGrpSpPr>
+        <p:cNvPr id="1" name=""/>
+        <p:cNvGrpSpPr/>
+        <p:nvPr/>
+      </p:nvGrpSpPr>
+      <p:grpSpPr>
+        <a:xfrm>
+          <a:off x="0" y="0"/>
+          <a:ext cx="0" cy="0"/>
+          <a:chOff x="0" y="0"/>
+          <a:chExt cx="0" cy="0"/>
+        </a:xfrm>
+      </p:grpSpPr>
+      <p:pic>
+        <p:nvPicPr>
+          <p:cNvPr descr="image/210213_14.jpg" id="0" name="Picture 1"/>
+          <p:cNvPicPr>
+            <a:picLocks noGrp="1" noChangeAspect="1"/>
+          </p:cNvPicPr>
+          <p:nvPr/>
+        </p:nvPicPr>
+        <p:blipFill>
+          <a:blip r:embed="rId2"/>
+          <a:stretch>
+            <a:fillRect/>
+          </a:stretch>
+        </p:blipFill>
+        <p:spPr bwMode="auto">
+          <a:xfrm>
+            <a:off x="1193800" y="1600200"/>
+            <a:ext cx="6756400" cy="4013200"/>
+          </a:xfrm>
+          <a:prstGeom prst="rect">
+            <a:avLst/>
+          </a:prstGeom>
+          <a:noFill/>
+          <a:ln w="9525">
+            <a:noFill/>
+            <a:headEnd/>
+            <a:tailEnd/>
+          </a:ln>
+        </p:spPr>
+      </p:pic>
+      <p:sp>
+        <p:nvSpPr>
+          <p:cNvPr id="1" name="TextBox 3"/>
+          <p:cNvSpPr txBox="1"/>
+          <p:nvPr/>
+        </p:nvSpPr>
+        <p:spPr>
+          <a:xfrm>
+            <a:off x="457200" y="5613400"/>
+            <a:ext cx="8229600" cy="508000"/>
+          </a:xfrm>
+          <a:prstGeom prst="rect">
+            <a:avLst/>
+          </a:prstGeom>
+          <a:noFill/>
+        </p:spPr>
+        <p:txBody>
+          <a:bodyPr/>
+          <a:lstStyle/>
+          <a:p>
+            <a:pPr lvl="0" marL="0" indent="0" algn="ctr">
+              <a:buNone/>
+            </a:pPr>
+            <a:r>
+              <a:rPr/>
+              <a:t>Figure</a:t>
+            </a:r>
+            <a:r>
+              <a:rPr/>
+              <a:t> </a:t>
+            </a:r>
+            <a:r>
+              <a:rPr/>
+              <a:t>13:</a:t>
+            </a:r>
+            <a:r>
+              <a:rPr/>
+              <a:t> </a:t>
+            </a:r>
+            <a:r>
+              <a:rPr/>
+              <a:t>Выгрузка</a:t>
+            </a:r>
+            <a:r>
+              <a:rPr/>
+              <a:t> </a:t>
+            </a:r>
+            <a:r>
+              <a:rPr/>
+              <a:t>изменений</a:t>
+            </a:r>
+            <a:r>
+              <a:rPr/>
+              <a:t> </a:t>
+            </a:r>
+            <a:r>
+              <a:rPr/>
+              <a:t>на</a:t>
+            </a:r>
+            <a:r>
+              <a:rPr/>
+              <a:t> </a:t>
+            </a:r>
+            <a:r>
+              <a:rPr/>
+              <a:t>GitHub</a:t>
+            </a:r>
+          </a:p>
+        </p:txBody>
+      </p:sp>
+    </p:spTree>
+  </p:cSld>
+</p:sld>
+</file>
+
+<file path=ppt/slides/slide29.xml><?xml version="1.0" encoding="utf-8"?>
+<p:sld xmlns:a="http://schemas.openxmlformats.org/drawingml/2006/main" xmlns:r="http://schemas.openxmlformats.org/officeDocument/2006/relationships" xmlns:p="http://schemas.openxmlformats.org/presentationml/2006/main">
+  <p:cSld>
+    <p:spTree>
+      <p:nvGrpSpPr>
+        <p:cNvPr id="1" name=""/>
+        <p:cNvGrpSpPr/>
+        <p:nvPr/>
+      </p:nvGrpSpPr>
+      <p:grpSpPr>
+        <a:xfrm>
+          <a:off x="0" y="0"/>
+          <a:ext cx="0" cy="0"/>
+          <a:chOff x="0" y="0"/>
+          <a:chExt cx="0" cy="0"/>
+        </a:xfrm>
+      </p:grpSpPr>
+      <p:sp>
+        <p:nvSpPr>
+          <p:cNvPr id="3" name="Content Placeholder 2"/>
+          <p:cNvSpPr>
+            <a:spLocks noGrp="1"/>
+          </p:cNvSpPr>
+          <p:nvPr>
+            <p:ph idx="1"/>
+          </p:nvPr>
+        </p:nvSpPr>
+        <p:spPr/>
+        <p:txBody>
+          <a:bodyPr/>
+          <a:lstStyle/>
+          <a:p>
+            <a:pPr lvl="1">
+              <a:buAutoNum startAt="14" type="arabicPeriod"/>
+            </a:pPr>
+            <a:r>
+              <a:rPr/>
+              <a:t>Проверка файла на GitHub’е (fig. 14, 15)</a:t>
             </a:r>
           </a:p>
         </p:txBody>
@@ -3394,7 +5133,323 @@
             </a:pPr>
             <a:r>
               <a:rPr/>
-              <a:t>Здесь приводится описание задания в соответствии с рекомендациями методического пособия и выданным вариантом.</a:t>
+              <a:t>Выполнить несколько команд в git-репозитории и выгрузить результат на GitHub.</a:t>
+            </a:r>
+          </a:p>
+        </p:txBody>
+      </p:sp>
+    </p:spTree>
+  </p:cSld>
+</p:sld>
+</file>
+
+<file path=ppt/slides/slide30.xml><?xml version="1.0" encoding="utf-8"?>
+<p:sld xmlns:a="http://schemas.openxmlformats.org/drawingml/2006/main" xmlns:r="http://schemas.openxmlformats.org/officeDocument/2006/relationships" xmlns:p="http://schemas.openxmlformats.org/presentationml/2006/main">
+  <p:cSld>
+    <p:spTree>
+      <p:nvGrpSpPr>
+        <p:cNvPr id="1" name=""/>
+        <p:cNvGrpSpPr/>
+        <p:nvPr/>
+      </p:nvGrpSpPr>
+      <p:grpSpPr>
+        <a:xfrm>
+          <a:off x="0" y="0"/>
+          <a:ext cx="0" cy="0"/>
+          <a:chOff x="0" y="0"/>
+          <a:chExt cx="0" cy="0"/>
+        </a:xfrm>
+      </p:grpSpPr>
+      <p:pic>
+        <p:nvPicPr>
+          <p:cNvPr descr="image/210213_15.jpg" id="0" name="Picture 1"/>
+          <p:cNvPicPr>
+            <a:picLocks noGrp="1" noChangeAspect="1"/>
+          </p:cNvPicPr>
+          <p:nvPr/>
+        </p:nvPicPr>
+        <p:blipFill>
+          <a:blip r:embed="rId2"/>
+          <a:stretch>
+            <a:fillRect/>
+          </a:stretch>
+        </p:blipFill>
+        <p:spPr bwMode="auto">
+          <a:xfrm>
+            <a:off x="457200" y="1612900"/>
+            <a:ext cx="8229600" cy="4000500"/>
+          </a:xfrm>
+          <a:prstGeom prst="rect">
+            <a:avLst/>
+          </a:prstGeom>
+          <a:noFill/>
+          <a:ln w="9525">
+            <a:noFill/>
+            <a:headEnd/>
+            <a:tailEnd/>
+          </a:ln>
+        </p:spPr>
+      </p:pic>
+      <p:sp>
+        <p:nvSpPr>
+          <p:cNvPr id="1" name="TextBox 3"/>
+          <p:cNvSpPr txBox="1"/>
+          <p:nvPr/>
+        </p:nvSpPr>
+        <p:spPr>
+          <a:xfrm>
+            <a:off x="457200" y="5613400"/>
+            <a:ext cx="8229600" cy="508000"/>
+          </a:xfrm>
+          <a:prstGeom prst="rect">
+            <a:avLst/>
+          </a:prstGeom>
+          <a:noFill/>
+        </p:spPr>
+        <p:txBody>
+          <a:bodyPr/>
+          <a:lstStyle/>
+          <a:p>
+            <a:pPr lvl="0" marL="0" indent="0" algn="ctr">
+              <a:buNone/>
+            </a:pPr>
+            <a:r>
+              <a:rPr/>
+              <a:t>Figure</a:t>
+            </a:r>
+            <a:r>
+              <a:rPr/>
+              <a:t> </a:t>
+            </a:r>
+            <a:r>
+              <a:rPr/>
+              <a:t>14:</a:t>
+            </a:r>
+            <a:r>
+              <a:rPr/>
+              <a:t> </a:t>
+            </a:r>
+            <a:r>
+              <a:rPr/>
+              <a:t>Проверка</a:t>
+            </a:r>
+            <a:r>
+              <a:rPr/>
+              <a:t> </a:t>
+            </a:r>
+            <a:r>
+              <a:rPr/>
+              <a:t>репозитория</a:t>
+            </a:r>
+            <a:r>
+              <a:rPr/>
+              <a:t> </a:t>
+            </a:r>
+            <a:r>
+              <a:rPr/>
+              <a:t>на</a:t>
+            </a:r>
+            <a:r>
+              <a:rPr/>
+              <a:t> </a:t>
+            </a:r>
+            <a:r>
+              <a:rPr/>
+              <a:t>GitHub</a:t>
+            </a:r>
+          </a:p>
+        </p:txBody>
+      </p:sp>
+    </p:spTree>
+  </p:cSld>
+</p:sld>
+</file>
+
+<file path=ppt/slides/slide31.xml><?xml version="1.0" encoding="utf-8"?>
+<p:sld xmlns:a="http://schemas.openxmlformats.org/drawingml/2006/main" xmlns:r="http://schemas.openxmlformats.org/officeDocument/2006/relationships" xmlns:p="http://schemas.openxmlformats.org/presentationml/2006/main">
+  <p:cSld>
+    <p:spTree>
+      <p:nvGrpSpPr>
+        <p:cNvPr id="1" name=""/>
+        <p:cNvGrpSpPr/>
+        <p:nvPr/>
+      </p:nvGrpSpPr>
+      <p:grpSpPr>
+        <a:xfrm>
+          <a:off x="0" y="0"/>
+          <a:ext cx="0" cy="0"/>
+          <a:chOff x="0" y="0"/>
+          <a:chExt cx="0" cy="0"/>
+        </a:xfrm>
+      </p:grpSpPr>
+      <p:pic>
+        <p:nvPicPr>
+          <p:cNvPr descr="image/210213_16.jpg" id="0" name="Picture 1"/>
+          <p:cNvPicPr>
+            <a:picLocks noGrp="1" noChangeAspect="1"/>
+          </p:cNvPicPr>
+          <p:nvPr/>
+        </p:nvPicPr>
+        <p:blipFill>
+          <a:blip r:embed="rId2"/>
+          <a:stretch>
+            <a:fillRect/>
+          </a:stretch>
+        </p:blipFill>
+        <p:spPr bwMode="auto">
+          <a:xfrm>
+            <a:off x="457200" y="1612900"/>
+            <a:ext cx="8229600" cy="4000500"/>
+          </a:xfrm>
+          <a:prstGeom prst="rect">
+            <a:avLst/>
+          </a:prstGeom>
+          <a:noFill/>
+          <a:ln w="9525">
+            <a:noFill/>
+            <a:headEnd/>
+            <a:tailEnd/>
+          </a:ln>
+        </p:spPr>
+      </p:pic>
+      <p:sp>
+        <p:nvSpPr>
+          <p:cNvPr id="1" name="TextBox 3"/>
+          <p:cNvSpPr txBox="1"/>
+          <p:nvPr/>
+        </p:nvSpPr>
+        <p:spPr>
+          <a:xfrm>
+            <a:off x="457200" y="5613400"/>
+            <a:ext cx="8229600" cy="508000"/>
+          </a:xfrm>
+          <a:prstGeom prst="rect">
+            <a:avLst/>
+          </a:prstGeom>
+          <a:noFill/>
+        </p:spPr>
+        <p:txBody>
+          <a:bodyPr/>
+          <a:lstStyle/>
+          <a:p>
+            <a:pPr lvl="0" marL="0" indent="0" algn="ctr">
+              <a:buNone/>
+            </a:pPr>
+            <a:r>
+              <a:rPr/>
+              <a:t>Figure</a:t>
+            </a:r>
+            <a:r>
+              <a:rPr/>
+              <a:t> </a:t>
+            </a:r>
+            <a:r>
+              <a:rPr/>
+              <a:t>15:</a:t>
+            </a:r>
+            <a:r>
+              <a:rPr/>
+              <a:t> </a:t>
+            </a:r>
+            <a:r>
+              <a:rPr/>
+              <a:t>Проверка</a:t>
+            </a:r>
+            <a:r>
+              <a:rPr/>
+              <a:t> </a:t>
+            </a:r>
+            <a:r>
+              <a:rPr/>
+              <a:t>файла</a:t>
+            </a:r>
+            <a:r>
+              <a:rPr/>
+              <a:t> </a:t>
+            </a:r>
+            <a:r>
+              <a:rPr/>
+              <a:t>на</a:t>
+            </a:r>
+            <a:r>
+              <a:rPr/>
+              <a:t> </a:t>
+            </a:r>
+            <a:r>
+              <a:rPr/>
+              <a:t>GitHub</a:t>
+            </a:r>
+          </a:p>
+        </p:txBody>
+      </p:sp>
+    </p:spTree>
+  </p:cSld>
+</p:sld>
+</file>
+
+<file path=ppt/slides/slide32.xml><?xml version="1.0" encoding="utf-8"?>
+<p:sld xmlns:a="http://schemas.openxmlformats.org/drawingml/2006/main" xmlns:r="http://schemas.openxmlformats.org/officeDocument/2006/relationships" xmlns:p="http://schemas.openxmlformats.org/presentationml/2006/main">
+  <p:cSld>
+    <p:spTree>
+      <p:nvGrpSpPr>
+        <p:cNvPr id="1" name=""/>
+        <p:cNvGrpSpPr/>
+        <p:nvPr/>
+      </p:nvGrpSpPr>
+      <p:grpSpPr>
+        <a:xfrm>
+          <a:off x="0" y="0"/>
+          <a:ext cx="0" cy="0"/>
+          <a:chOff x="0" y="0"/>
+          <a:chExt cx="0" cy="0"/>
+        </a:xfrm>
+      </p:grpSpPr>
+      <p:sp>
+        <p:nvSpPr>
+          <p:cNvPr id="2" name="Title 1"/>
+          <p:cNvSpPr>
+            <a:spLocks noGrp="1"/>
+          </p:cNvSpPr>
+          <p:nvPr>
+            <p:ph type="title"/>
+          </p:nvPr>
+        </p:nvSpPr>
+        <p:spPr/>
+        <p:txBody>
+          <a:bodyPr/>
+          <a:lstStyle/>
+          <a:p>
+            <a:pPr lvl="0" marL="0" indent="0">
+              <a:buNone/>
+            </a:pPr>
+            <a:r>
+              <a:rPr/>
+              <a:t>Выводы</a:t>
+            </a:r>
+          </a:p>
+        </p:txBody>
+      </p:sp>
+      <p:sp>
+        <p:nvSpPr>
+          <p:cNvPr id="3" name="Content Placeholder 2"/>
+          <p:cNvSpPr>
+            <a:spLocks noGrp="1"/>
+          </p:cNvSpPr>
+          <p:nvPr>
+            <p:ph idx="1"/>
+          </p:nvPr>
+        </p:nvSpPr>
+        <p:spPr/>
+        <p:txBody>
+          <a:bodyPr/>
+          <a:lstStyle/>
+          <a:p>
+            <a:pPr lvl="0" marL="0" indent="0">
+              <a:buNone/>
+            </a:pPr>
+            <a:r>
+              <a:rPr/>
+              <a:t>Таким образом я получила практические навыки работы с git, а также практические навыки использования Markdown для написания текущего отчёта.</a:t>
             </a:r>
           </a:p>
         </p:txBody>
@@ -3477,12 +5532,21 @@
           <a:bodyPr/>
           <a:lstStyle/>
           <a:p>
-            <a:pPr lvl="0" marL="0" indent="0">
-              <a:buNone/>
+            <a:pPr lvl="1">
+              <a:buAutoNum type="arabicPeriod"/>
             </a:pPr>
             <a:r>
               <a:rPr/>
-              <a:t>Описываются проведённые действия, в качестве иллюстрации даётся ссылка на иллюстрацию (рис. 1)</a:t>
+              <a:t>Подготовка была выполнена ранее, потому данный пункт был пропущен.</a:t>
+            </a:r>
+          </a:p>
+          <a:p>
+            <a:pPr lvl="1">
+              <a:buAutoNum type="arabicPeriod"/>
+            </a:pPr>
+            <a:r>
+              <a:rPr/>
+              <a:t>Репозиторий был создан, потому перехожу сразу к изменению созданного html файла (fig. 1).</a:t>
             </a:r>
           </a:p>
         </p:txBody>
@@ -3511,7 +5575,7 @@
       </p:grpSpPr>
       <p:pic>
         <p:nvPicPr>
-          <p:cNvPr descr="image/placeimg_800_600_tech.jpg" id="0" name="Picture 1"/>
+          <p:cNvPr descr="image/210213_1.jpg" id="0" name="Picture 1"/>
           <p:cNvPicPr>
             <a:picLocks noGrp="1" noChangeAspect="1"/>
           </p:cNvPicPr>
@@ -3525,8 +5589,8 @@
         </p:blipFill>
         <p:spPr bwMode="auto">
           <a:xfrm>
-            <a:off x="1892300" y="1600200"/>
-            <a:ext cx="5346700" cy="4013200"/>
+            <a:off x="1917700" y="1600200"/>
+            <a:ext cx="5308600" cy="4013200"/>
           </a:xfrm>
           <a:prstGeom prst="rect">
             <a:avLst/>
@@ -3580,15 +5644,23 @@
             </a:r>
             <a:r>
               <a:rPr/>
-              <a:t>Название</a:t>
-            </a:r>
-            <a:r>
-              <a:rPr/>
-              <a:t> </a:t>
-            </a:r>
-            <a:r>
-              <a:rPr/>
-              <a:t>рисунка</a:t>
+              <a:t>Изменениe</a:t>
+            </a:r>
+            <a:r>
+              <a:rPr/>
+              <a:t> </a:t>
+            </a:r>
+            <a:r>
+              <a:rPr/>
+              <a:t>файла</a:t>
+            </a:r>
+            <a:r>
+              <a:rPr/>
+              <a:t> </a:t>
+            </a:r>
+            <a:r>
+              <a:rPr/>
+              <a:t>hello.html</a:t>
             </a:r>
           </a:p>
         </p:txBody>
@@ -3617,12 +5689,12 @@
       </p:grpSpPr>
       <p:sp>
         <p:nvSpPr>
-          <p:cNvPr id="2" name="Title 1"/>
-          <p:cNvSpPr>
-            <a:spLocks noGrp="1"/>
-          </p:cNvSpPr>
-          <p:nvPr>
-            <p:ph type="title"/>
+          <p:cNvPr id="3" name="Content Placeholder 2"/>
+          <p:cNvSpPr>
+            <a:spLocks noGrp="1"/>
+          </p:cNvSpPr>
+          <p:nvPr>
+            <p:ph idx="1"/>
           </p:nvPr>
         </p:nvSpPr>
         <p:spPr/>
@@ -3630,16 +5702,184 @@
           <a:bodyPr/>
           <a:lstStyle/>
           <a:p>
-            <a:pPr lvl="0" marL="0" indent="0">
-              <a:buNone/>
+            <a:pPr lvl="1">
+              <a:buAutoNum startAt="3" type="arabicPeriod"/>
             </a:pPr>
             <a:r>
               <a:rPr/>
-              <a:t>Выводы</a:t>
-            </a:r>
-          </a:p>
-        </p:txBody>
-      </p:sp>
+              <a:t>Добавила файл в репозиторий и проверила текущее состояние репозитория, чтобы убедиться, что всё прошло успешно. Получила сообщение о том, что коммитить нечего (fig. 2).</a:t>
+            </a:r>
+          </a:p>
+        </p:txBody>
+      </p:sp>
+    </p:spTree>
+  </p:cSld>
+</p:sld>
+</file>
+
+<file path=ppt/slides/slide7.xml><?xml version="1.0" encoding="utf-8"?>
+<p:sld xmlns:a="http://schemas.openxmlformats.org/drawingml/2006/main" xmlns:r="http://schemas.openxmlformats.org/officeDocument/2006/relationships" xmlns:p="http://schemas.openxmlformats.org/presentationml/2006/main">
+  <p:cSld>
+    <p:spTree>
+      <p:nvGrpSpPr>
+        <p:cNvPr id="1" name=""/>
+        <p:cNvGrpSpPr/>
+        <p:nvPr/>
+      </p:nvGrpSpPr>
+      <p:grpSpPr>
+        <a:xfrm>
+          <a:off x="0" y="0"/>
+          <a:ext cx="0" cy="0"/>
+          <a:chOff x="0" y="0"/>
+          <a:chExt cx="0" cy="0"/>
+        </a:xfrm>
+      </p:grpSpPr>
+      <p:pic>
+        <p:nvPicPr>
+          <p:cNvPr descr="image/210213_2.jpg" id="0" name="Picture 1"/>
+          <p:cNvPicPr>
+            <a:picLocks noGrp="1" noChangeAspect="1"/>
+          </p:cNvPicPr>
+          <p:nvPr/>
+        </p:nvPicPr>
+        <p:blipFill>
+          <a:blip r:embed="rId2"/>
+          <a:stretch>
+            <a:fillRect/>
+          </a:stretch>
+        </p:blipFill>
+        <p:spPr bwMode="auto">
+          <a:xfrm>
+            <a:off x="457200" y="2209800"/>
+            <a:ext cx="8229600" cy="2794000"/>
+          </a:xfrm>
+          <a:prstGeom prst="rect">
+            <a:avLst/>
+          </a:prstGeom>
+          <a:noFill/>
+          <a:ln w="9525">
+            <a:noFill/>
+            <a:headEnd/>
+            <a:tailEnd/>
+          </a:ln>
+        </p:spPr>
+      </p:pic>
+      <p:sp>
+        <p:nvSpPr>
+          <p:cNvPr id="1" name="TextBox 3"/>
+          <p:cNvSpPr txBox="1"/>
+          <p:nvPr/>
+        </p:nvSpPr>
+        <p:spPr>
+          <a:xfrm>
+            <a:off x="457200" y="5613400"/>
+            <a:ext cx="8229600" cy="508000"/>
+          </a:xfrm>
+          <a:prstGeom prst="rect">
+            <a:avLst/>
+          </a:prstGeom>
+          <a:noFill/>
+        </p:spPr>
+        <p:txBody>
+          <a:bodyPr/>
+          <a:lstStyle/>
+          <a:p>
+            <a:pPr lvl="0" marL="0" indent="0" algn="ctr">
+              <a:buNone/>
+            </a:pPr>
+            <a:r>
+              <a:rPr/>
+              <a:t>Figure</a:t>
+            </a:r>
+            <a:r>
+              <a:rPr/>
+              <a:t> </a:t>
+            </a:r>
+            <a:r>
+              <a:rPr/>
+              <a:t>2:</a:t>
+            </a:r>
+            <a:r>
+              <a:rPr/>
+              <a:t> </a:t>
+            </a:r>
+            <a:r>
+              <a:rPr/>
+              <a:t>Добавление</a:t>
+            </a:r>
+            <a:r>
+              <a:rPr/>
+              <a:t> </a:t>
+            </a:r>
+            <a:r>
+              <a:rPr/>
+              <a:t>файла</a:t>
+            </a:r>
+            <a:r>
+              <a:rPr/>
+              <a:t> </a:t>
+            </a:r>
+            <a:r>
+              <a:rPr/>
+              <a:t>в</a:t>
+            </a:r>
+            <a:r>
+              <a:rPr/>
+              <a:t> </a:t>
+            </a:r>
+            <a:r>
+              <a:rPr/>
+              <a:t>репозиторий</a:t>
+            </a:r>
+            <a:r>
+              <a:rPr/>
+              <a:t> </a:t>
+            </a:r>
+            <a:r>
+              <a:rPr/>
+              <a:t>и</a:t>
+            </a:r>
+            <a:r>
+              <a:rPr/>
+              <a:t> </a:t>
+            </a:r>
+            <a:r>
+              <a:rPr/>
+              <a:t>проверка</a:t>
+            </a:r>
+            <a:r>
+              <a:rPr/>
+              <a:t> </a:t>
+            </a:r>
+            <a:r>
+              <a:rPr/>
+              <a:t>состояния</a:t>
+            </a:r>
+          </a:p>
+        </p:txBody>
+      </p:sp>
+    </p:spTree>
+  </p:cSld>
+</p:sld>
+</file>
+
+<file path=ppt/slides/slide8.xml><?xml version="1.0" encoding="utf-8"?>
+<p:sld xmlns:a="http://schemas.openxmlformats.org/drawingml/2006/main" xmlns:r="http://schemas.openxmlformats.org/officeDocument/2006/relationships" xmlns:p="http://schemas.openxmlformats.org/presentationml/2006/main">
+  <p:cSld>
+    <p:spTree>
+      <p:nvGrpSpPr>
+        <p:cNvPr id="1" name=""/>
+        <p:cNvGrpSpPr/>
+        <p:nvPr/>
+      </p:nvGrpSpPr>
+      <p:grpSpPr>
+        <a:xfrm>
+          <a:off x="0" y="0"/>
+          <a:ext cx="0" cy="0"/>
+          <a:chOff x="0" y="0"/>
+          <a:chExt cx="0" cy="0"/>
+        </a:xfrm>
+      </p:grpSpPr>
       <p:sp>
         <p:nvSpPr>
           <p:cNvPr id="3" name="Content Placeholder 2"/>
@@ -3655,12 +5895,126 @@
           <a:bodyPr/>
           <a:lstStyle/>
           <a:p>
-            <a:pPr lvl="0" marL="0" indent="0">
-              <a:buNone/>
+            <a:pPr lvl="1">
+              <a:buAutoNum startAt="4" type="arabicPeriod"/>
             </a:pPr>
             <a:r>
               <a:rPr/>
-              <a:t>Здесь кратко описываются итоги проделанной работы.</a:t>
+              <a:t>Изменила содержание файла hello.html, добавив теги (fig. 3).</a:t>
+            </a:r>
+          </a:p>
+        </p:txBody>
+      </p:sp>
+    </p:spTree>
+  </p:cSld>
+</p:sld>
+</file>
+
+<file path=ppt/slides/slide9.xml><?xml version="1.0" encoding="utf-8"?>
+<p:sld xmlns:a="http://schemas.openxmlformats.org/drawingml/2006/main" xmlns:r="http://schemas.openxmlformats.org/officeDocument/2006/relationships" xmlns:p="http://schemas.openxmlformats.org/presentationml/2006/main">
+  <p:cSld>
+    <p:spTree>
+      <p:nvGrpSpPr>
+        <p:cNvPr id="1" name=""/>
+        <p:cNvGrpSpPr/>
+        <p:nvPr/>
+      </p:nvGrpSpPr>
+      <p:grpSpPr>
+        <a:xfrm>
+          <a:off x="0" y="0"/>
+          <a:ext cx="0" cy="0"/>
+          <a:chOff x="0" y="0"/>
+          <a:chExt cx="0" cy="0"/>
+        </a:xfrm>
+      </p:grpSpPr>
+      <p:pic>
+        <p:nvPicPr>
+          <p:cNvPr descr="image/210213_3.jpg" id="0" name="Picture 1"/>
+          <p:cNvPicPr>
+            <a:picLocks noGrp="1" noChangeAspect="1"/>
+          </p:cNvPicPr>
+          <p:nvPr/>
+        </p:nvPicPr>
+        <p:blipFill>
+          <a:blip r:embed="rId2"/>
+          <a:stretch>
+            <a:fillRect/>
+          </a:stretch>
+        </p:blipFill>
+        <p:spPr bwMode="auto">
+          <a:xfrm>
+            <a:off x="1409700" y="1600200"/>
+            <a:ext cx="6324600" cy="4013200"/>
+          </a:xfrm>
+          <a:prstGeom prst="rect">
+            <a:avLst/>
+          </a:prstGeom>
+          <a:noFill/>
+          <a:ln w="9525">
+            <a:noFill/>
+            <a:headEnd/>
+            <a:tailEnd/>
+          </a:ln>
+        </p:spPr>
+      </p:pic>
+      <p:sp>
+        <p:nvSpPr>
+          <p:cNvPr id="1" name="TextBox 3"/>
+          <p:cNvSpPr txBox="1"/>
+          <p:nvPr/>
+        </p:nvSpPr>
+        <p:spPr>
+          <a:xfrm>
+            <a:off x="457200" y="5613400"/>
+            <a:ext cx="8229600" cy="508000"/>
+          </a:xfrm>
+          <a:prstGeom prst="rect">
+            <a:avLst/>
+          </a:prstGeom>
+          <a:noFill/>
+        </p:spPr>
+        <p:txBody>
+          <a:bodyPr/>
+          <a:lstStyle/>
+          <a:p>
+            <a:pPr lvl="0" marL="0" indent="0" algn="ctr">
+              <a:buNone/>
+            </a:pPr>
+            <a:r>
+              <a:rPr/>
+              <a:t>Figure</a:t>
+            </a:r>
+            <a:r>
+              <a:rPr/>
+              <a:t> </a:t>
+            </a:r>
+            <a:r>
+              <a:rPr/>
+              <a:t>3:</a:t>
+            </a:r>
+            <a:r>
+              <a:rPr/>
+              <a:t> </a:t>
+            </a:r>
+            <a:r>
+              <a:rPr/>
+              <a:t>Изменениe</a:t>
+            </a:r>
+            <a:r>
+              <a:rPr/>
+              <a:t> </a:t>
+            </a:r>
+            <a:r>
+              <a:rPr/>
+              <a:t>файла</a:t>
+            </a:r>
+            <a:r>
+              <a:rPr/>
+              <a:t> </a:t>
+            </a:r>
+            <a:r>
+              <a:rPr/>
+              <a:t>hello.html</a:t>
             </a:r>
           </a:p>
         </p:txBody>
